--- a/UT Registration Dashboard.pptx
+++ b/UT Registration Dashboard.pptx
@@ -8,9 +8,11 @@
     <p:sldId id="256" r:id="rId2"/>
     <p:sldId id="257" r:id="rId3"/>
     <p:sldId id="258" r:id="rId4"/>
+    <p:sldId id="259" r:id="rId5"/>
+    <p:sldId id="260" r:id="rId6"/>
   </p:sldIdLst>
   <p:sldSz cx="12192000" cy="6858000"/>
-  <p:notesSz cx="6858000" cy="9144000"/>
+  <p:notesSz cx="7010400" cy="9296400"/>
   <p:defaultTextStyle>
     <a:defPPr>
       <a:defRPr lang="en-US"/>
@@ -106,6 +108,11 @@
       </a:defRPr>
     </a:lvl9pPr>
   </p:defaultTextStyle>
+  <p:extLst>
+    <p:ext uri="{EFAFB233-063F-42B5-8137-9DF3F51BA10A}">
+      <p15:sldGuideLst xmlns:p15="http://schemas.microsoft.com/office/powerpoint/2012/main"/>
+    </p:ext>
+  </p:extLst>
 </p:presentation>
 </file>
 
@@ -258,7 +265,7 @@
           <a:p>
             <a:fld id="{A0BD0440-64CA-4E98-9CCD-C5208E5D9776}" type="datetimeFigureOut">
               <a:rPr lang="en-IN" smtClean="0"/>
-              <a:t>09-04-2025</a:t>
+              <a:t>11-04-2025</a:t>
             </a:fld>
             <a:endParaRPr lang="en-IN"/>
           </a:p>
@@ -458,7 +465,7 @@
           <a:p>
             <a:fld id="{A0BD0440-64CA-4E98-9CCD-C5208E5D9776}" type="datetimeFigureOut">
               <a:rPr lang="en-IN" smtClean="0"/>
-              <a:t>09-04-2025</a:t>
+              <a:t>11-04-2025</a:t>
             </a:fld>
             <a:endParaRPr lang="en-IN"/>
           </a:p>
@@ -668,7 +675,7 @@
           <a:p>
             <a:fld id="{A0BD0440-64CA-4E98-9CCD-C5208E5D9776}" type="datetimeFigureOut">
               <a:rPr lang="en-IN" smtClean="0"/>
-              <a:t>09-04-2025</a:t>
+              <a:t>11-04-2025</a:t>
             </a:fld>
             <a:endParaRPr lang="en-IN"/>
           </a:p>
@@ -868,7 +875,7 @@
           <a:p>
             <a:fld id="{A0BD0440-64CA-4E98-9CCD-C5208E5D9776}" type="datetimeFigureOut">
               <a:rPr lang="en-IN" smtClean="0"/>
-              <a:t>09-04-2025</a:t>
+              <a:t>11-04-2025</a:t>
             </a:fld>
             <a:endParaRPr lang="en-IN"/>
           </a:p>
@@ -1144,7 +1151,7 @@
           <a:p>
             <a:fld id="{A0BD0440-64CA-4E98-9CCD-C5208E5D9776}" type="datetimeFigureOut">
               <a:rPr lang="en-IN" smtClean="0"/>
-              <a:t>09-04-2025</a:t>
+              <a:t>11-04-2025</a:t>
             </a:fld>
             <a:endParaRPr lang="en-IN"/>
           </a:p>
@@ -1412,7 +1419,7 @@
           <a:p>
             <a:fld id="{A0BD0440-64CA-4E98-9CCD-C5208E5D9776}" type="datetimeFigureOut">
               <a:rPr lang="en-IN" smtClean="0"/>
-              <a:t>09-04-2025</a:t>
+              <a:t>11-04-2025</a:t>
             </a:fld>
             <a:endParaRPr lang="en-IN"/>
           </a:p>
@@ -1827,7 +1834,7 @@
           <a:p>
             <a:fld id="{A0BD0440-64CA-4E98-9CCD-C5208E5D9776}" type="datetimeFigureOut">
               <a:rPr lang="en-IN" smtClean="0"/>
-              <a:t>09-04-2025</a:t>
+              <a:t>11-04-2025</a:t>
             </a:fld>
             <a:endParaRPr lang="en-IN"/>
           </a:p>
@@ -1969,7 +1976,7 @@
           <a:p>
             <a:fld id="{A0BD0440-64CA-4E98-9CCD-C5208E5D9776}" type="datetimeFigureOut">
               <a:rPr lang="en-IN" smtClean="0"/>
-              <a:t>09-04-2025</a:t>
+              <a:t>11-04-2025</a:t>
             </a:fld>
             <a:endParaRPr lang="en-IN"/>
           </a:p>
@@ -2082,7 +2089,7 @@
           <a:p>
             <a:fld id="{A0BD0440-64CA-4E98-9CCD-C5208E5D9776}" type="datetimeFigureOut">
               <a:rPr lang="en-IN" smtClean="0"/>
-              <a:t>09-04-2025</a:t>
+              <a:t>11-04-2025</a:t>
             </a:fld>
             <a:endParaRPr lang="en-IN"/>
           </a:p>
@@ -2395,7 +2402,7 @@
           <a:p>
             <a:fld id="{A0BD0440-64CA-4E98-9CCD-C5208E5D9776}" type="datetimeFigureOut">
               <a:rPr lang="en-IN" smtClean="0"/>
-              <a:t>09-04-2025</a:t>
+              <a:t>11-04-2025</a:t>
             </a:fld>
             <a:endParaRPr lang="en-IN"/>
           </a:p>
@@ -2684,7 +2691,7 @@
           <a:p>
             <a:fld id="{A0BD0440-64CA-4E98-9CCD-C5208E5D9776}" type="datetimeFigureOut">
               <a:rPr lang="en-IN" smtClean="0"/>
-              <a:t>09-04-2025</a:t>
+              <a:t>11-04-2025</a:t>
             </a:fld>
             <a:endParaRPr lang="en-IN"/>
           </a:p>
@@ -2927,7 +2934,7 @@
           <a:p>
             <a:fld id="{A0BD0440-64CA-4E98-9CCD-C5208E5D9776}" type="datetimeFigureOut">
               <a:rPr lang="en-IN" smtClean="0"/>
-              <a:t>09-04-2025</a:t>
+              <a:t>11-04-2025</a:t>
             </a:fld>
             <a:endParaRPr lang="en-IN"/>
           </a:p>
@@ -3371,10 +3378,18 @@
           <a:lstStyle/>
           <a:p>
             <a:r>
-              <a:rPr lang="en-US" dirty="0"/>
+              <a:rPr lang="en-US" dirty="0">
+                <a:highlight>
+                  <a:srgbClr val="808080"/>
+                </a:highlight>
+              </a:rPr>
               <a:t>UT Registration Dashboard</a:t>
             </a:r>
-            <a:endParaRPr lang="en-IN" dirty="0"/>
+            <a:endParaRPr lang="en-IN" dirty="0">
+              <a:highlight>
+                <a:srgbClr val="808080"/>
+              </a:highlight>
+            </a:endParaRPr>
           </a:p>
         </p:txBody>
       </p:sp>
@@ -3637,17 +3652,38 @@
           <a:bodyPr/>
           <a:lstStyle/>
           <a:p>
+            <a:pPr algn="just"/>
             <a:r>
               <a:rPr lang="en-US" dirty="0"/>
               <a:t>Further, Name of UT module having name of all UTs of India are Delhi, Lakshadweep, DNH&amp;DD, Chandigarh, Puducherry, Andaman &amp; Nicobar Islands,  Jammu &amp; Kashmir and Ladakh.</a:t>
             </a:r>
           </a:p>
           <a:p>
-            <a:r>
-              <a:rPr lang="en-US"/>
-              <a:t>Also, </a:t>
-            </a:r>
-            <a:endParaRPr lang="en-IN" dirty="0"/>
+            <a:pPr algn="just"/>
+            <a:r>
+              <a:rPr lang="en-US" dirty="0"/>
+              <a:t>Also, UTRD having three major category -&gt; MHA, Stakeholders &amp; DCN/FCN of each proposals/issue.</a:t>
+            </a:r>
+          </a:p>
+          <a:p>
+            <a:pPr algn="just"/>
+            <a:r>
+              <a:rPr lang="en-US" dirty="0"/>
+              <a:t>Name of Stakeholders, and why is pending to which department?</a:t>
+            </a:r>
+          </a:p>
+          <a:p>
+            <a:pPr algn="just"/>
+            <a:r>
+              <a:rPr lang="en-US" dirty="0"/>
+              <a:t>Each proposal must have “Date of proposal sent and received”.</a:t>
+            </a:r>
+          </a:p>
+          <a:p>
+            <a:r>
+              <a:rPr lang="en-IN" dirty="0"/>
+              <a:t>Each proposal should have a brief description/about.</a:t>
+            </a:r>
           </a:p>
         </p:txBody>
       </p:sp>
@@ -3655,6 +3691,1171 @@
     <p:extLst>
       <p:ext uri="{BB962C8B-B14F-4D97-AF65-F5344CB8AC3E}">
         <p14:creationId xmlns:p14="http://schemas.microsoft.com/office/powerpoint/2010/main" val="2119660523"/>
+      </p:ext>
+    </p:extLst>
+  </p:cSld>
+  <p:clrMapOvr>
+    <a:masterClrMapping/>
+  </p:clrMapOvr>
+</p:sld>
+</file>
+
+<file path=ppt/slides/slide4.xml><?xml version="1.0" encoding="utf-8"?>
+<p:sld xmlns:a="http://schemas.openxmlformats.org/drawingml/2006/main" xmlns:r="http://schemas.openxmlformats.org/officeDocument/2006/relationships" xmlns:p="http://schemas.openxmlformats.org/presentationml/2006/main">
+  <p:cSld>
+    <p:spTree>
+      <p:nvGrpSpPr>
+        <p:cNvPr id="1" name=""/>
+        <p:cNvGrpSpPr/>
+        <p:nvPr/>
+      </p:nvGrpSpPr>
+      <p:grpSpPr>
+        <a:xfrm>
+          <a:off x="0" y="0"/>
+          <a:ext cx="0" cy="0"/>
+          <a:chOff x="0" y="0"/>
+          <a:chExt cx="0" cy="0"/>
+        </a:xfrm>
+      </p:grpSpPr>
+      <p:sp>
+        <p:nvSpPr>
+          <p:cNvPr id="2" name="Title 1">
+            <a:extLst>
+              <a:ext uri="{FF2B5EF4-FFF2-40B4-BE49-F238E27FC236}">
+                <a16:creationId xmlns:a16="http://schemas.microsoft.com/office/drawing/2014/main" id="{DC0F443A-E30D-4152-8E52-1B6EC156615E}"/>
+              </a:ext>
+            </a:extLst>
+          </p:cNvPr>
+          <p:cNvSpPr>
+            <a:spLocks noGrp="1"/>
+          </p:cNvSpPr>
+          <p:nvPr>
+            <p:ph type="title"/>
+          </p:nvPr>
+        </p:nvSpPr>
+        <p:spPr/>
+        <p:txBody>
+          <a:bodyPr/>
+          <a:lstStyle/>
+          <a:p>
+            <a:r>
+              <a:rPr lang="en-US" dirty="0"/>
+              <a:t>Contd.</a:t>
+            </a:r>
+            <a:endParaRPr lang="en-IN" dirty="0"/>
+          </a:p>
+        </p:txBody>
+      </p:sp>
+      <p:sp>
+        <p:nvSpPr>
+          <p:cNvPr id="3" name="Content Placeholder 2">
+            <a:extLst>
+              <a:ext uri="{FF2B5EF4-FFF2-40B4-BE49-F238E27FC236}">
+                <a16:creationId xmlns:a16="http://schemas.microsoft.com/office/drawing/2014/main" id="{B513A2A7-0FCF-41BB-A401-6986AF2F3114}"/>
+              </a:ext>
+            </a:extLst>
+          </p:cNvPr>
+          <p:cNvSpPr>
+            <a:spLocks noGrp="1"/>
+          </p:cNvSpPr>
+          <p:nvPr>
+            <p:ph idx="1"/>
+          </p:nvPr>
+        </p:nvSpPr>
+        <p:spPr/>
+        <p:txBody>
+          <a:bodyPr/>
+          <a:lstStyle/>
+          <a:p>
+            <a:r>
+              <a:rPr lang="en-US" dirty="0"/>
+              <a:t>Status of Proposal:</a:t>
+            </a:r>
+          </a:p>
+          <a:p>
+            <a:pPr lvl="1"/>
+            <a:r>
+              <a:rPr lang="en-US" dirty="0"/>
+              <a:t>Last action taken, why sent?</a:t>
+            </a:r>
+          </a:p>
+          <a:p>
+            <a:pPr lvl="1"/>
+            <a:r>
+              <a:rPr lang="en-US" dirty="0"/>
+              <a:t>Pending proposal since?</a:t>
+            </a:r>
+          </a:p>
+          <a:p>
+            <a:pPr lvl="1" algn="just"/>
+            <a:r>
+              <a:rPr lang="en-US" dirty="0"/>
+              <a:t>Date of proposal -&gt;  About and Last Action and pending with which department.</a:t>
+            </a:r>
+          </a:p>
+          <a:p>
+            <a:pPr lvl="1"/>
+            <a:endParaRPr lang="en-IN" dirty="0"/>
+          </a:p>
+        </p:txBody>
+      </p:sp>
+    </p:spTree>
+    <p:extLst>
+      <p:ext uri="{BB962C8B-B14F-4D97-AF65-F5344CB8AC3E}">
+        <p14:creationId xmlns:p14="http://schemas.microsoft.com/office/powerpoint/2010/main" val="2234471014"/>
+      </p:ext>
+    </p:extLst>
+  </p:cSld>
+  <p:clrMapOvr>
+    <a:masterClrMapping/>
+  </p:clrMapOvr>
+</p:sld>
+</file>
+
+<file path=ppt/slides/slide5.xml><?xml version="1.0" encoding="utf-8"?>
+<p:sld xmlns:a="http://schemas.openxmlformats.org/drawingml/2006/main" xmlns:r="http://schemas.openxmlformats.org/officeDocument/2006/relationships" xmlns:p="http://schemas.openxmlformats.org/presentationml/2006/main">
+  <p:cSld>
+    <p:spTree>
+      <p:nvGrpSpPr>
+        <p:cNvPr id="1" name=""/>
+        <p:cNvGrpSpPr/>
+        <p:nvPr/>
+      </p:nvGrpSpPr>
+      <p:grpSpPr>
+        <a:xfrm>
+          <a:off x="0" y="0"/>
+          <a:ext cx="0" cy="0"/>
+          <a:chOff x="0" y="0"/>
+          <a:chExt cx="0" cy="0"/>
+        </a:xfrm>
+      </p:grpSpPr>
+      <p:sp>
+        <p:nvSpPr>
+          <p:cNvPr id="2" name="Title 1">
+            <a:extLst>
+              <a:ext uri="{FF2B5EF4-FFF2-40B4-BE49-F238E27FC236}">
+                <a16:creationId xmlns:a16="http://schemas.microsoft.com/office/drawing/2014/main" id="{F1FF9F2B-48AE-4EC0-A274-69A76A57211F}"/>
+              </a:ext>
+            </a:extLst>
+          </p:cNvPr>
+          <p:cNvSpPr>
+            <a:spLocks noGrp="1"/>
+          </p:cNvSpPr>
+          <p:nvPr>
+            <p:ph type="title"/>
+          </p:nvPr>
+        </p:nvSpPr>
+        <p:spPr>
+          <a:xfrm>
+            <a:off x="838200" y="365126"/>
+            <a:ext cx="10515600" cy="717226"/>
+          </a:xfrm>
+        </p:spPr>
+        <p:txBody>
+          <a:bodyPr/>
+          <a:lstStyle/>
+          <a:p>
+            <a:pPr algn="ctr"/>
+            <a:r>
+              <a:rPr lang="en-US" b="1" dirty="0"/>
+              <a:t>Workflow of UTRD</a:t>
+            </a:r>
+            <a:endParaRPr lang="en-IN" b="1" dirty="0"/>
+          </a:p>
+        </p:txBody>
+      </p:sp>
+      <p:pic>
+        <p:nvPicPr>
+          <p:cNvPr id="5" name="Picture 4">
+            <a:extLst>
+              <a:ext uri="{FF2B5EF4-FFF2-40B4-BE49-F238E27FC236}">
+                <a16:creationId xmlns:a16="http://schemas.microsoft.com/office/drawing/2014/main" id="{C65058D1-D370-4EA5-B78F-6B74905E04A9}"/>
+              </a:ext>
+            </a:extLst>
+          </p:cNvPr>
+          <p:cNvPicPr>
+            <a:picLocks noChangeAspect="1"/>
+          </p:cNvPicPr>
+          <p:nvPr/>
+        </p:nvPicPr>
+        <p:blipFill rotWithShape="1">
+          <a:blip r:embed="rId2">
+            <a:extLst>
+              <a:ext uri="{28A0092B-C50C-407E-A947-70E740481C1C}">
+                <a14:useLocalDpi xmlns:a14="http://schemas.microsoft.com/office/drawing/2010/main" val="0"/>
+              </a:ext>
+            </a:extLst>
+          </a:blip>
+          <a:srcRect l="3325" t="1501" r="2911" b="13864"/>
+          <a:stretch/>
+        </p:blipFill>
+        <p:spPr>
+          <a:xfrm>
+            <a:off x="1537996" y="1082352"/>
+            <a:ext cx="9116008" cy="4898571"/>
+          </a:xfrm>
+          <a:prstGeom prst="rect">
+            <a:avLst/>
+          </a:prstGeom>
+        </p:spPr>
+      </p:pic>
+      <p:cxnSp>
+        <p:nvCxnSpPr>
+          <p:cNvPr id="7" name="Straight Arrow Connector 6">
+            <a:extLst>
+              <a:ext uri="{FF2B5EF4-FFF2-40B4-BE49-F238E27FC236}">
+                <a16:creationId xmlns:a16="http://schemas.microsoft.com/office/drawing/2014/main" id="{EED84877-D417-4917-B852-70AD70506DD7}"/>
+              </a:ext>
+            </a:extLst>
+          </p:cNvPr>
+          <p:cNvCxnSpPr/>
+          <p:nvPr/>
+        </p:nvCxnSpPr>
+        <p:spPr>
+          <a:xfrm>
+            <a:off x="3171825" y="2533844"/>
+            <a:ext cx="0" cy="590550"/>
+          </a:xfrm>
+          <a:prstGeom prst="straightConnector1">
+            <a:avLst/>
+          </a:prstGeom>
+          <a:ln>
+            <a:tailEnd type="triangle"/>
+          </a:ln>
+        </p:spPr>
+        <p:style>
+          <a:lnRef idx="1">
+            <a:schemeClr val="accent1"/>
+          </a:lnRef>
+          <a:fillRef idx="0">
+            <a:schemeClr val="accent1"/>
+          </a:fillRef>
+          <a:effectRef idx="0">
+            <a:schemeClr val="accent1"/>
+          </a:effectRef>
+          <a:fontRef idx="minor">
+            <a:schemeClr val="tx1"/>
+          </a:fontRef>
+        </p:style>
+      </p:cxnSp>
+      <p:cxnSp>
+        <p:nvCxnSpPr>
+          <p:cNvPr id="8" name="Straight Arrow Connector 7">
+            <a:extLst>
+              <a:ext uri="{FF2B5EF4-FFF2-40B4-BE49-F238E27FC236}">
+                <a16:creationId xmlns:a16="http://schemas.microsoft.com/office/drawing/2014/main" id="{FD7987C8-6C1D-443B-A2B8-FBB4890862D7}"/>
+              </a:ext>
+            </a:extLst>
+          </p:cNvPr>
+          <p:cNvCxnSpPr/>
+          <p:nvPr/>
+        </p:nvCxnSpPr>
+        <p:spPr>
+          <a:xfrm>
+            <a:off x="3174352" y="3353385"/>
+            <a:ext cx="0" cy="590550"/>
+          </a:xfrm>
+          <a:prstGeom prst="straightConnector1">
+            <a:avLst/>
+          </a:prstGeom>
+          <a:ln>
+            <a:tailEnd type="triangle"/>
+          </a:ln>
+        </p:spPr>
+        <p:style>
+          <a:lnRef idx="1">
+            <a:schemeClr val="accent1"/>
+          </a:lnRef>
+          <a:fillRef idx="0">
+            <a:schemeClr val="accent1"/>
+          </a:fillRef>
+          <a:effectRef idx="0">
+            <a:schemeClr val="accent1"/>
+          </a:effectRef>
+          <a:fontRef idx="minor">
+            <a:schemeClr val="tx1"/>
+          </a:fontRef>
+        </p:style>
+      </p:cxnSp>
+      <p:cxnSp>
+        <p:nvCxnSpPr>
+          <p:cNvPr id="9" name="Straight Arrow Connector 8">
+            <a:extLst>
+              <a:ext uri="{FF2B5EF4-FFF2-40B4-BE49-F238E27FC236}">
+                <a16:creationId xmlns:a16="http://schemas.microsoft.com/office/drawing/2014/main" id="{D541DC45-D732-4579-9827-66CA0EC8A219}"/>
+              </a:ext>
+            </a:extLst>
+          </p:cNvPr>
+          <p:cNvCxnSpPr>
+            <a:cxnSpLocks/>
+          </p:cNvCxnSpPr>
+          <p:nvPr/>
+        </p:nvCxnSpPr>
+        <p:spPr>
+          <a:xfrm>
+            <a:off x="3177462" y="4198776"/>
+            <a:ext cx="0" cy="307912"/>
+          </a:xfrm>
+          <a:prstGeom prst="straightConnector1">
+            <a:avLst/>
+          </a:prstGeom>
+          <a:ln>
+            <a:tailEnd type="triangle"/>
+          </a:ln>
+        </p:spPr>
+        <p:style>
+          <a:lnRef idx="1">
+            <a:schemeClr val="accent1"/>
+          </a:lnRef>
+          <a:fillRef idx="0">
+            <a:schemeClr val="accent1"/>
+          </a:fillRef>
+          <a:effectRef idx="0">
+            <a:schemeClr val="accent1"/>
+          </a:effectRef>
+          <a:fontRef idx="minor">
+            <a:schemeClr val="tx1"/>
+          </a:fontRef>
+        </p:style>
+      </p:cxnSp>
+      <p:cxnSp>
+        <p:nvCxnSpPr>
+          <p:cNvPr id="12" name="Straight Arrow Connector 11">
+            <a:extLst>
+              <a:ext uri="{FF2B5EF4-FFF2-40B4-BE49-F238E27FC236}">
+                <a16:creationId xmlns:a16="http://schemas.microsoft.com/office/drawing/2014/main" id="{32D5F64A-A91D-4E04-806C-C7BF69F32CA8}"/>
+              </a:ext>
+            </a:extLst>
+          </p:cNvPr>
+          <p:cNvCxnSpPr>
+            <a:cxnSpLocks/>
+          </p:cNvCxnSpPr>
+          <p:nvPr/>
+        </p:nvCxnSpPr>
+        <p:spPr>
+          <a:xfrm>
+            <a:off x="3180566" y="4774406"/>
+            <a:ext cx="0" cy="332559"/>
+          </a:xfrm>
+          <a:prstGeom prst="straightConnector1">
+            <a:avLst/>
+          </a:prstGeom>
+          <a:ln>
+            <a:tailEnd type="triangle"/>
+          </a:ln>
+        </p:spPr>
+        <p:style>
+          <a:lnRef idx="1">
+            <a:schemeClr val="accent1"/>
+          </a:lnRef>
+          <a:fillRef idx="0">
+            <a:schemeClr val="accent1"/>
+          </a:fillRef>
+          <a:effectRef idx="0">
+            <a:schemeClr val="accent1"/>
+          </a:effectRef>
+          <a:fontRef idx="minor">
+            <a:schemeClr val="tx1"/>
+          </a:fontRef>
+        </p:style>
+      </p:cxnSp>
+      <p:cxnSp>
+        <p:nvCxnSpPr>
+          <p:cNvPr id="14" name="Straight Arrow Connector 13">
+            <a:extLst>
+              <a:ext uri="{FF2B5EF4-FFF2-40B4-BE49-F238E27FC236}">
+                <a16:creationId xmlns:a16="http://schemas.microsoft.com/office/drawing/2014/main" id="{DDCB8384-870F-42AD-940F-25690BA5E8C2}"/>
+              </a:ext>
+            </a:extLst>
+          </p:cNvPr>
+          <p:cNvCxnSpPr/>
+          <p:nvPr/>
+        </p:nvCxnSpPr>
+        <p:spPr>
+          <a:xfrm>
+            <a:off x="8334375" y="2533844"/>
+            <a:ext cx="0" cy="590550"/>
+          </a:xfrm>
+          <a:prstGeom prst="straightConnector1">
+            <a:avLst/>
+          </a:prstGeom>
+          <a:ln>
+            <a:tailEnd type="triangle"/>
+          </a:ln>
+        </p:spPr>
+        <p:style>
+          <a:lnRef idx="1">
+            <a:schemeClr val="accent1"/>
+          </a:lnRef>
+          <a:fillRef idx="0">
+            <a:schemeClr val="accent1"/>
+          </a:fillRef>
+          <a:effectRef idx="0">
+            <a:schemeClr val="accent1"/>
+          </a:effectRef>
+          <a:fontRef idx="minor">
+            <a:schemeClr val="tx1"/>
+          </a:fontRef>
+        </p:style>
+      </p:cxnSp>
+      <p:sp>
+        <p:nvSpPr>
+          <p:cNvPr id="16" name="Flowchart: Internal Storage 15">
+            <a:extLst>
+              <a:ext uri="{FF2B5EF4-FFF2-40B4-BE49-F238E27FC236}">
+                <a16:creationId xmlns:a16="http://schemas.microsoft.com/office/drawing/2014/main" id="{1174C488-938D-4661-B981-688EFD490234}"/>
+              </a:ext>
+            </a:extLst>
+          </p:cNvPr>
+          <p:cNvSpPr/>
+          <p:nvPr/>
+        </p:nvSpPr>
+        <p:spPr>
+          <a:xfrm>
+            <a:off x="4996157" y="3021582"/>
+            <a:ext cx="1549420" cy="1580897"/>
+          </a:xfrm>
+          <a:prstGeom prst="flowChartInternalStorage">
+            <a:avLst/>
+          </a:prstGeom>
+        </p:spPr>
+        <p:style>
+          <a:lnRef idx="2">
+            <a:schemeClr val="accent3"/>
+          </a:lnRef>
+          <a:fillRef idx="1">
+            <a:schemeClr val="lt1"/>
+          </a:fillRef>
+          <a:effectRef idx="0">
+            <a:schemeClr val="accent3"/>
+          </a:effectRef>
+          <a:fontRef idx="minor">
+            <a:schemeClr val="dk1"/>
+          </a:fontRef>
+        </p:style>
+        <p:txBody>
+          <a:bodyPr rtlCol="0" anchor="ctr"/>
+          <a:lstStyle/>
+          <a:p>
+            <a:pPr marL="285750" indent="-285750" algn="justLow">
+              <a:buFont typeface="Wingdings" panose="05000000000000000000" pitchFamily="2" charset="2"/>
+              <a:buChar char="Ø"/>
+            </a:pPr>
+            <a:r>
+              <a:rPr lang="en-US" sz="1000" dirty="0"/>
+              <a:t>Delhi</a:t>
+            </a:r>
+          </a:p>
+          <a:p>
+            <a:pPr marL="285750" indent="-285750" algn="justLow">
+              <a:buFont typeface="Wingdings" panose="05000000000000000000" pitchFamily="2" charset="2"/>
+              <a:buChar char="Ø"/>
+            </a:pPr>
+            <a:r>
+              <a:rPr lang="en-US" sz="1000" dirty="0"/>
+              <a:t>Chandigarh</a:t>
+            </a:r>
+          </a:p>
+          <a:p>
+            <a:pPr marL="285750" indent="-285750" algn="justLow">
+              <a:buFont typeface="Wingdings" panose="05000000000000000000" pitchFamily="2" charset="2"/>
+              <a:buChar char="Ø"/>
+            </a:pPr>
+            <a:r>
+              <a:rPr lang="en-US" sz="1000" dirty="0"/>
+              <a:t>DNH &amp; DD</a:t>
+            </a:r>
+          </a:p>
+          <a:p>
+            <a:pPr marL="285750" indent="-285750" algn="justLow">
+              <a:buFont typeface="Wingdings" panose="05000000000000000000" pitchFamily="2" charset="2"/>
+              <a:buChar char="Ø"/>
+            </a:pPr>
+            <a:r>
+              <a:rPr lang="en-US" sz="1000" dirty="0"/>
+              <a:t>Lakshadweep</a:t>
+            </a:r>
+            <a:endParaRPr lang="en-IN" sz="1000" dirty="0"/>
+          </a:p>
+        </p:txBody>
+      </p:sp>
+      <p:cxnSp>
+        <p:nvCxnSpPr>
+          <p:cNvPr id="18" name="Connector: Elbow 17">
+            <a:extLst>
+              <a:ext uri="{FF2B5EF4-FFF2-40B4-BE49-F238E27FC236}">
+                <a16:creationId xmlns:a16="http://schemas.microsoft.com/office/drawing/2014/main" id="{4C4F4582-F436-4F6A-982C-5EE6A76EBE98}"/>
+              </a:ext>
+            </a:extLst>
+          </p:cNvPr>
+          <p:cNvCxnSpPr>
+            <a:cxnSpLocks/>
+            <a:endCxn id="16" idx="1"/>
+          </p:cNvCxnSpPr>
+          <p:nvPr/>
+        </p:nvCxnSpPr>
+        <p:spPr>
+          <a:xfrm>
+            <a:off x="4122420" y="3215640"/>
+            <a:ext cx="873737" cy="596391"/>
+          </a:xfrm>
+          <a:prstGeom prst="bentConnector3">
+            <a:avLst>
+              <a:gd name="adj1" fmla="val 50000"/>
+            </a:avLst>
+          </a:prstGeom>
+          <a:ln>
+            <a:headEnd type="triangle"/>
+            <a:tailEnd type="triangle"/>
+          </a:ln>
+        </p:spPr>
+        <p:style>
+          <a:lnRef idx="1">
+            <a:schemeClr val="accent1"/>
+          </a:lnRef>
+          <a:fillRef idx="0">
+            <a:schemeClr val="accent1"/>
+          </a:fillRef>
+          <a:effectRef idx="0">
+            <a:schemeClr val="accent1"/>
+          </a:effectRef>
+          <a:fontRef idx="minor">
+            <a:schemeClr val="tx1"/>
+          </a:fontRef>
+        </p:style>
+      </p:cxnSp>
+      <p:sp>
+        <p:nvSpPr>
+          <p:cNvPr id="22" name="Flowchart: Internal Storage 21">
+            <a:extLst>
+              <a:ext uri="{FF2B5EF4-FFF2-40B4-BE49-F238E27FC236}">
+                <a16:creationId xmlns:a16="http://schemas.microsoft.com/office/drawing/2014/main" id="{D0CA5C67-3042-4525-BCE7-7637599BFFA9}"/>
+              </a:ext>
+            </a:extLst>
+          </p:cNvPr>
+          <p:cNvSpPr/>
+          <p:nvPr/>
+        </p:nvSpPr>
+        <p:spPr>
+          <a:xfrm>
+            <a:off x="4996157" y="4742306"/>
+            <a:ext cx="1549420" cy="1580897"/>
+          </a:xfrm>
+          <a:prstGeom prst="flowChartInternalStorage">
+            <a:avLst/>
+          </a:prstGeom>
+        </p:spPr>
+        <p:style>
+          <a:lnRef idx="2">
+            <a:schemeClr val="accent3"/>
+          </a:lnRef>
+          <a:fillRef idx="1">
+            <a:schemeClr val="lt1"/>
+          </a:fillRef>
+          <a:effectRef idx="0">
+            <a:schemeClr val="accent3"/>
+          </a:effectRef>
+          <a:fontRef idx="minor">
+            <a:schemeClr val="dk1"/>
+          </a:fontRef>
+        </p:style>
+        <p:txBody>
+          <a:bodyPr rtlCol="0" anchor="ctr"/>
+          <a:lstStyle/>
+          <a:p>
+            <a:pPr marL="285750" indent="-285750" algn="just">
+              <a:buFont typeface="Wingdings" panose="05000000000000000000" pitchFamily="2" charset="2"/>
+              <a:buChar char="Ø"/>
+            </a:pPr>
+            <a:r>
+              <a:rPr lang="en-US" sz="1000" dirty="0"/>
+              <a:t>Name of Stakeholders</a:t>
+            </a:r>
+          </a:p>
+          <a:p>
+            <a:pPr marL="285750" indent="-285750" algn="just">
+              <a:buFont typeface="Wingdings" panose="05000000000000000000" pitchFamily="2" charset="2"/>
+              <a:buChar char="Ø"/>
+            </a:pPr>
+            <a:r>
+              <a:rPr lang="en-US" sz="1000" dirty="0"/>
+              <a:t>Pending with &amp; Why</a:t>
+            </a:r>
+          </a:p>
+          <a:p>
+            <a:pPr marL="285750" indent="-285750" algn="just">
+              <a:buFont typeface="Wingdings" panose="05000000000000000000" pitchFamily="2" charset="2"/>
+              <a:buChar char="Ø"/>
+            </a:pPr>
+            <a:r>
+              <a:rPr lang="en-US" sz="1000" dirty="0"/>
+              <a:t>Pending since</a:t>
+            </a:r>
+          </a:p>
+          <a:p>
+            <a:pPr marL="285750" indent="-285750" algn="just">
+              <a:buFont typeface="Wingdings" panose="05000000000000000000" pitchFamily="2" charset="2"/>
+              <a:buChar char="Ø"/>
+            </a:pPr>
+            <a:r>
+              <a:rPr lang="en-US" sz="1000" dirty="0"/>
+              <a:t>Last status why sent?</a:t>
+            </a:r>
+          </a:p>
+        </p:txBody>
+      </p:sp>
+      <p:cxnSp>
+        <p:nvCxnSpPr>
+          <p:cNvPr id="23" name="Connector: Elbow 22">
+            <a:extLst>
+              <a:ext uri="{FF2B5EF4-FFF2-40B4-BE49-F238E27FC236}">
+                <a16:creationId xmlns:a16="http://schemas.microsoft.com/office/drawing/2014/main" id="{99A85EAD-E137-4830-82FA-41302A01ABBC}"/>
+              </a:ext>
+            </a:extLst>
+          </p:cNvPr>
+          <p:cNvCxnSpPr>
+            <a:cxnSpLocks/>
+            <a:endCxn id="22" idx="1"/>
+          </p:cNvCxnSpPr>
+          <p:nvPr/>
+        </p:nvCxnSpPr>
+        <p:spPr>
+          <a:xfrm>
+            <a:off x="3931920" y="4640579"/>
+            <a:ext cx="1064237" cy="892176"/>
+          </a:xfrm>
+          <a:prstGeom prst="bentConnector3">
+            <a:avLst>
+              <a:gd name="adj1" fmla="val 50000"/>
+            </a:avLst>
+          </a:prstGeom>
+          <a:ln>
+            <a:headEnd type="triangle"/>
+            <a:tailEnd type="triangle"/>
+          </a:ln>
+        </p:spPr>
+        <p:style>
+          <a:lnRef idx="1">
+            <a:schemeClr val="accent1"/>
+          </a:lnRef>
+          <a:fillRef idx="0">
+            <a:schemeClr val="accent1"/>
+          </a:fillRef>
+          <a:effectRef idx="0">
+            <a:schemeClr val="accent1"/>
+          </a:effectRef>
+          <a:fontRef idx="minor">
+            <a:schemeClr val="tx1"/>
+          </a:fontRef>
+        </p:style>
+      </p:cxnSp>
+      <p:sp>
+        <p:nvSpPr>
+          <p:cNvPr id="30" name="Flowchart: Internal Storage 29">
+            <a:extLst>
+              <a:ext uri="{FF2B5EF4-FFF2-40B4-BE49-F238E27FC236}">
+                <a16:creationId xmlns:a16="http://schemas.microsoft.com/office/drawing/2014/main" id="{1D2FE093-4D1C-4037-BB6C-2050E5C8DCBD}"/>
+              </a:ext>
+            </a:extLst>
+          </p:cNvPr>
+          <p:cNvSpPr/>
+          <p:nvPr/>
+        </p:nvSpPr>
+        <p:spPr>
+          <a:xfrm>
+            <a:off x="321214" y="4249841"/>
+            <a:ext cx="1549420" cy="1580897"/>
+          </a:xfrm>
+          <a:prstGeom prst="flowChartInternalStorage">
+            <a:avLst/>
+          </a:prstGeom>
+        </p:spPr>
+        <p:style>
+          <a:lnRef idx="2">
+            <a:schemeClr val="accent3"/>
+          </a:lnRef>
+          <a:fillRef idx="1">
+            <a:schemeClr val="lt1"/>
+          </a:fillRef>
+          <a:effectRef idx="0">
+            <a:schemeClr val="accent3"/>
+          </a:effectRef>
+          <a:fontRef idx="minor">
+            <a:schemeClr val="dk1"/>
+          </a:fontRef>
+        </p:style>
+        <p:txBody>
+          <a:bodyPr rtlCol="0" anchor="ctr"/>
+          <a:lstStyle/>
+          <a:p>
+            <a:pPr marL="285750" indent="-285750" algn="just">
+              <a:buFont typeface="Wingdings" panose="05000000000000000000" pitchFamily="2" charset="2"/>
+              <a:buChar char="Ø"/>
+            </a:pPr>
+            <a:r>
+              <a:rPr lang="en-US" sz="1000" dirty="0"/>
+              <a:t>Name of Stakeholders</a:t>
+            </a:r>
+          </a:p>
+          <a:p>
+            <a:pPr marL="285750" indent="-285750" algn="just">
+              <a:buFont typeface="Wingdings" panose="05000000000000000000" pitchFamily="2" charset="2"/>
+              <a:buChar char="Ø"/>
+            </a:pPr>
+            <a:r>
+              <a:rPr lang="en-US" sz="1000" dirty="0"/>
+              <a:t>Pending with &amp; Why</a:t>
+            </a:r>
+          </a:p>
+          <a:p>
+            <a:pPr marL="285750" indent="-285750" algn="just">
+              <a:buFont typeface="Wingdings" panose="05000000000000000000" pitchFamily="2" charset="2"/>
+              <a:buChar char="Ø"/>
+            </a:pPr>
+            <a:r>
+              <a:rPr lang="en-US" sz="1000" dirty="0"/>
+              <a:t>Pending since</a:t>
+            </a:r>
+          </a:p>
+          <a:p>
+            <a:pPr marL="285750" indent="-285750" algn="just">
+              <a:buFont typeface="Wingdings" panose="05000000000000000000" pitchFamily="2" charset="2"/>
+              <a:buChar char="Ø"/>
+            </a:pPr>
+            <a:r>
+              <a:rPr lang="en-US" sz="1000" dirty="0"/>
+              <a:t>Last status why sent?</a:t>
+            </a:r>
+          </a:p>
+        </p:txBody>
+      </p:sp>
+      <p:cxnSp>
+        <p:nvCxnSpPr>
+          <p:cNvPr id="34" name="Connector: Elbow 33">
+            <a:extLst>
+              <a:ext uri="{FF2B5EF4-FFF2-40B4-BE49-F238E27FC236}">
+                <a16:creationId xmlns:a16="http://schemas.microsoft.com/office/drawing/2014/main" id="{F267FB38-620E-4A19-BE80-6598B12E96E5}"/>
+              </a:ext>
+            </a:extLst>
+          </p:cNvPr>
+          <p:cNvCxnSpPr/>
+          <p:nvPr/>
+        </p:nvCxnSpPr>
+        <p:spPr>
+          <a:xfrm>
+            <a:off x="1870634" y="5048567"/>
+            <a:ext cx="511866" cy="171133"/>
+          </a:xfrm>
+          <a:prstGeom prst="bentConnector3">
+            <a:avLst/>
+          </a:prstGeom>
+          <a:ln>
+            <a:headEnd type="triangle"/>
+            <a:tailEnd type="triangle"/>
+          </a:ln>
+        </p:spPr>
+        <p:style>
+          <a:lnRef idx="1">
+            <a:schemeClr val="accent1"/>
+          </a:lnRef>
+          <a:fillRef idx="0">
+            <a:schemeClr val="accent1"/>
+          </a:fillRef>
+          <a:effectRef idx="0">
+            <a:schemeClr val="accent1"/>
+          </a:effectRef>
+          <a:fontRef idx="minor">
+            <a:schemeClr val="tx1"/>
+          </a:fontRef>
+        </p:style>
+      </p:cxnSp>
+      <p:sp>
+        <p:nvSpPr>
+          <p:cNvPr id="35" name="Flowchart: Internal Storage 34">
+            <a:extLst>
+              <a:ext uri="{FF2B5EF4-FFF2-40B4-BE49-F238E27FC236}">
+                <a16:creationId xmlns:a16="http://schemas.microsoft.com/office/drawing/2014/main" id="{3EE0B63A-63B7-42D1-A342-A1B3F4653C88}"/>
+              </a:ext>
+            </a:extLst>
+          </p:cNvPr>
+          <p:cNvSpPr/>
+          <p:nvPr/>
+        </p:nvSpPr>
+        <p:spPr>
+          <a:xfrm>
+            <a:off x="321214" y="2562936"/>
+            <a:ext cx="1549420" cy="1580897"/>
+          </a:xfrm>
+          <a:prstGeom prst="flowChartInternalStorage">
+            <a:avLst/>
+          </a:prstGeom>
+        </p:spPr>
+        <p:style>
+          <a:lnRef idx="2">
+            <a:schemeClr val="accent3"/>
+          </a:lnRef>
+          <a:fillRef idx="1">
+            <a:schemeClr val="lt1"/>
+          </a:fillRef>
+          <a:effectRef idx="0">
+            <a:schemeClr val="accent3"/>
+          </a:effectRef>
+          <a:fontRef idx="minor">
+            <a:schemeClr val="dk1"/>
+          </a:fontRef>
+        </p:style>
+        <p:txBody>
+          <a:bodyPr rtlCol="0" anchor="ctr"/>
+          <a:lstStyle/>
+          <a:p>
+            <a:pPr marL="285750" indent="-285750" algn="just">
+              <a:buFont typeface="Wingdings" panose="05000000000000000000" pitchFamily="2" charset="2"/>
+              <a:buChar char="Ø"/>
+            </a:pPr>
+            <a:r>
+              <a:rPr lang="en-US" sz="1000" dirty="0"/>
+              <a:t>Name of Stakeholders</a:t>
+            </a:r>
+          </a:p>
+          <a:p>
+            <a:pPr marL="285750" indent="-285750" algn="just">
+              <a:buFont typeface="Wingdings" panose="05000000000000000000" pitchFamily="2" charset="2"/>
+              <a:buChar char="Ø"/>
+            </a:pPr>
+            <a:r>
+              <a:rPr lang="en-US" sz="1000" dirty="0"/>
+              <a:t>Pending with &amp; Why</a:t>
+            </a:r>
+          </a:p>
+          <a:p>
+            <a:pPr marL="285750" indent="-285750" algn="just">
+              <a:buFont typeface="Wingdings" panose="05000000000000000000" pitchFamily="2" charset="2"/>
+              <a:buChar char="Ø"/>
+            </a:pPr>
+            <a:r>
+              <a:rPr lang="en-US" sz="1000" dirty="0"/>
+              <a:t>Pending since</a:t>
+            </a:r>
+          </a:p>
+          <a:p>
+            <a:pPr marL="285750" indent="-285750" algn="just">
+              <a:buFont typeface="Wingdings" panose="05000000000000000000" pitchFamily="2" charset="2"/>
+              <a:buChar char="Ø"/>
+            </a:pPr>
+            <a:r>
+              <a:rPr lang="en-US" sz="1000" dirty="0"/>
+              <a:t>Last status why sent?</a:t>
+            </a:r>
+          </a:p>
+        </p:txBody>
+      </p:sp>
+      <p:cxnSp>
+        <p:nvCxnSpPr>
+          <p:cNvPr id="36" name="Connector: Elbow 35">
+            <a:extLst>
+              <a:ext uri="{FF2B5EF4-FFF2-40B4-BE49-F238E27FC236}">
+                <a16:creationId xmlns:a16="http://schemas.microsoft.com/office/drawing/2014/main" id="{6F1ED05F-CE75-47AC-8B6D-B672FFEC08BE}"/>
+              </a:ext>
+            </a:extLst>
+          </p:cNvPr>
+          <p:cNvCxnSpPr>
+            <a:cxnSpLocks/>
+          </p:cNvCxnSpPr>
+          <p:nvPr/>
+        </p:nvCxnSpPr>
+        <p:spPr>
+          <a:xfrm>
+            <a:off x="1870634" y="3361662"/>
+            <a:ext cx="805895" cy="667413"/>
+          </a:xfrm>
+          <a:prstGeom prst="bentConnector3">
+            <a:avLst/>
+          </a:prstGeom>
+          <a:ln>
+            <a:headEnd type="triangle"/>
+            <a:tailEnd type="triangle"/>
+          </a:ln>
+        </p:spPr>
+        <p:style>
+          <a:lnRef idx="1">
+            <a:schemeClr val="accent1"/>
+          </a:lnRef>
+          <a:fillRef idx="0">
+            <a:schemeClr val="accent1"/>
+          </a:fillRef>
+          <a:effectRef idx="0">
+            <a:schemeClr val="accent1"/>
+          </a:effectRef>
+          <a:fontRef idx="minor">
+            <a:schemeClr val="tx1"/>
+          </a:fontRef>
+        </p:style>
+      </p:cxnSp>
+      <p:sp>
+        <p:nvSpPr>
+          <p:cNvPr id="38" name="Flowchart: Internal Storage 37">
+            <a:extLst>
+              <a:ext uri="{FF2B5EF4-FFF2-40B4-BE49-F238E27FC236}">
+                <a16:creationId xmlns:a16="http://schemas.microsoft.com/office/drawing/2014/main" id="{260DCBF1-964D-433D-AB0E-2A0E1D0983E9}"/>
+              </a:ext>
+            </a:extLst>
+          </p:cNvPr>
+          <p:cNvSpPr/>
+          <p:nvPr/>
+        </p:nvSpPr>
+        <p:spPr>
+          <a:xfrm>
+            <a:off x="10151086" y="3021582"/>
+            <a:ext cx="1549420" cy="1580897"/>
+          </a:xfrm>
+          <a:prstGeom prst="flowChartInternalStorage">
+            <a:avLst/>
+          </a:prstGeom>
+        </p:spPr>
+        <p:style>
+          <a:lnRef idx="2">
+            <a:schemeClr val="accent3"/>
+          </a:lnRef>
+          <a:fillRef idx="1">
+            <a:schemeClr val="lt1"/>
+          </a:fillRef>
+          <a:effectRef idx="0">
+            <a:schemeClr val="accent3"/>
+          </a:effectRef>
+          <a:fontRef idx="minor">
+            <a:schemeClr val="dk1"/>
+          </a:fontRef>
+        </p:style>
+        <p:txBody>
+          <a:bodyPr rtlCol="0" anchor="ctr"/>
+          <a:lstStyle/>
+          <a:p>
+            <a:pPr marL="285750" indent="-285750" algn="justLow">
+              <a:buFont typeface="Wingdings" panose="05000000000000000000" pitchFamily="2" charset="2"/>
+              <a:buChar char="Ø"/>
+            </a:pPr>
+            <a:r>
+              <a:rPr lang="en-US" sz="1000" dirty="0"/>
+              <a:t>Delhi</a:t>
+            </a:r>
+          </a:p>
+          <a:p>
+            <a:pPr marL="285750" indent="-285750" algn="justLow">
+              <a:buFont typeface="Wingdings" panose="05000000000000000000" pitchFamily="2" charset="2"/>
+              <a:buChar char="Ø"/>
+            </a:pPr>
+            <a:r>
+              <a:rPr lang="en-US" sz="1000" dirty="0"/>
+              <a:t>Chandigarh</a:t>
+            </a:r>
+          </a:p>
+          <a:p>
+            <a:pPr marL="285750" indent="-285750" algn="justLow">
+              <a:buFont typeface="Wingdings" panose="05000000000000000000" pitchFamily="2" charset="2"/>
+              <a:buChar char="Ø"/>
+            </a:pPr>
+            <a:r>
+              <a:rPr lang="en-US" sz="1000" dirty="0"/>
+              <a:t>DNH &amp; DD</a:t>
+            </a:r>
+          </a:p>
+          <a:p>
+            <a:pPr marL="285750" indent="-285750" algn="justLow">
+              <a:buFont typeface="Wingdings" panose="05000000000000000000" pitchFamily="2" charset="2"/>
+              <a:buChar char="Ø"/>
+            </a:pPr>
+            <a:r>
+              <a:rPr lang="en-US" sz="1000" dirty="0"/>
+              <a:t>Lakshadweep</a:t>
+            </a:r>
+            <a:endParaRPr lang="en-IN" sz="1000" dirty="0"/>
+          </a:p>
+        </p:txBody>
+      </p:sp>
+      <p:cxnSp>
+        <p:nvCxnSpPr>
+          <p:cNvPr id="39" name="Connector: Elbow 38">
+            <a:extLst>
+              <a:ext uri="{FF2B5EF4-FFF2-40B4-BE49-F238E27FC236}">
+                <a16:creationId xmlns:a16="http://schemas.microsoft.com/office/drawing/2014/main" id="{795633C8-9C92-4026-99A5-F32EACD65A3A}"/>
+              </a:ext>
+            </a:extLst>
+          </p:cNvPr>
+          <p:cNvCxnSpPr>
+            <a:cxnSpLocks/>
+            <a:endCxn id="38" idx="1"/>
+          </p:cNvCxnSpPr>
+          <p:nvPr/>
+        </p:nvCxnSpPr>
+        <p:spPr>
+          <a:xfrm>
+            <a:off x="9277349" y="3215640"/>
+            <a:ext cx="873737" cy="596391"/>
+          </a:xfrm>
+          <a:prstGeom prst="bentConnector3">
+            <a:avLst>
+              <a:gd name="adj1" fmla="val 50000"/>
+            </a:avLst>
+          </a:prstGeom>
+          <a:ln>
+            <a:headEnd type="triangle"/>
+            <a:tailEnd type="triangle"/>
+          </a:ln>
+        </p:spPr>
+        <p:style>
+          <a:lnRef idx="1">
+            <a:schemeClr val="accent1"/>
+          </a:lnRef>
+          <a:fillRef idx="0">
+            <a:schemeClr val="accent1"/>
+          </a:fillRef>
+          <a:effectRef idx="0">
+            <a:schemeClr val="accent1"/>
+          </a:effectRef>
+          <a:fontRef idx="minor">
+            <a:schemeClr val="tx1"/>
+          </a:fontRef>
+        </p:style>
+      </p:cxnSp>
+      <p:sp>
+        <p:nvSpPr>
+          <p:cNvPr id="40" name="Flowchart: Internal Storage 39">
+            <a:extLst>
+              <a:ext uri="{FF2B5EF4-FFF2-40B4-BE49-F238E27FC236}">
+                <a16:creationId xmlns:a16="http://schemas.microsoft.com/office/drawing/2014/main" id="{4EBA2388-0255-447F-BFB3-627EAAEB927F}"/>
+              </a:ext>
+            </a:extLst>
+          </p:cNvPr>
+          <p:cNvSpPr/>
+          <p:nvPr/>
+        </p:nvSpPr>
+        <p:spPr>
+          <a:xfrm>
+            <a:off x="8398766" y="4316516"/>
+            <a:ext cx="1549420" cy="1580897"/>
+          </a:xfrm>
+          <a:prstGeom prst="flowChartInternalStorage">
+            <a:avLst/>
+          </a:prstGeom>
+        </p:spPr>
+        <p:style>
+          <a:lnRef idx="2">
+            <a:schemeClr val="accent3"/>
+          </a:lnRef>
+          <a:fillRef idx="1">
+            <a:schemeClr val="lt1"/>
+          </a:fillRef>
+          <a:effectRef idx="0">
+            <a:schemeClr val="accent3"/>
+          </a:effectRef>
+          <a:fontRef idx="minor">
+            <a:schemeClr val="dk1"/>
+          </a:fontRef>
+        </p:style>
+        <p:txBody>
+          <a:bodyPr rtlCol="0" anchor="ctr"/>
+          <a:lstStyle/>
+          <a:p>
+            <a:pPr marL="285750" indent="-285750" algn="just">
+              <a:buFont typeface="Wingdings" panose="05000000000000000000" pitchFamily="2" charset="2"/>
+              <a:buChar char="Ø"/>
+            </a:pPr>
+            <a:r>
+              <a:rPr lang="en-US" sz="1000" dirty="0"/>
+              <a:t>Date of Proposal</a:t>
+            </a:r>
+          </a:p>
+          <a:p>
+            <a:pPr marL="285750" indent="-285750" algn="just">
+              <a:buFont typeface="Wingdings" panose="05000000000000000000" pitchFamily="2" charset="2"/>
+              <a:buChar char="Ø"/>
+            </a:pPr>
+            <a:r>
+              <a:rPr lang="en-US" sz="1000" dirty="0"/>
+              <a:t>About the proposal</a:t>
+            </a:r>
+          </a:p>
+          <a:p>
+            <a:pPr marL="285750" indent="-285750" algn="just">
+              <a:buFont typeface="Wingdings" panose="05000000000000000000" pitchFamily="2" charset="2"/>
+              <a:buChar char="Ø"/>
+            </a:pPr>
+            <a:r>
+              <a:rPr lang="en-US" sz="1000" dirty="0"/>
+              <a:t>Last Action taken</a:t>
+            </a:r>
+          </a:p>
+          <a:p>
+            <a:pPr marL="285750" indent="-285750" algn="just">
+              <a:buFont typeface="Wingdings" panose="05000000000000000000" pitchFamily="2" charset="2"/>
+              <a:buChar char="Ø"/>
+            </a:pPr>
+            <a:r>
+              <a:rPr lang="en-US" sz="1000" dirty="0"/>
+              <a:t>Pending with </a:t>
+            </a:r>
+          </a:p>
+          <a:p>
+            <a:pPr marL="285750" indent="-285750" algn="just">
+              <a:buFont typeface="Wingdings" panose="05000000000000000000" pitchFamily="2" charset="2"/>
+              <a:buChar char="Ø"/>
+            </a:pPr>
+            <a:r>
+              <a:rPr lang="en-US" sz="1000" dirty="0"/>
+              <a:t>Name of Stakeholders</a:t>
+            </a:r>
+          </a:p>
+        </p:txBody>
+      </p:sp>
+      <p:cxnSp>
+        <p:nvCxnSpPr>
+          <p:cNvPr id="41" name="Connector: Elbow 40">
+            <a:extLst>
+              <a:ext uri="{FF2B5EF4-FFF2-40B4-BE49-F238E27FC236}">
+                <a16:creationId xmlns:a16="http://schemas.microsoft.com/office/drawing/2014/main" id="{A539C84E-CF37-41DA-9EDA-C4C77C921C05}"/>
+              </a:ext>
+            </a:extLst>
+          </p:cNvPr>
+          <p:cNvCxnSpPr>
+            <a:cxnSpLocks/>
+            <a:endCxn id="40" idx="0"/>
+          </p:cNvCxnSpPr>
+          <p:nvPr/>
+        </p:nvCxnSpPr>
+        <p:spPr>
+          <a:xfrm rot="16200000" flipH="1">
+            <a:off x="8496529" y="3639569"/>
+            <a:ext cx="954852" cy="399042"/>
+          </a:xfrm>
+          <a:prstGeom prst="bentConnector3">
+            <a:avLst>
+              <a:gd name="adj1" fmla="val 50000"/>
+            </a:avLst>
+          </a:prstGeom>
+          <a:ln>
+            <a:headEnd type="triangle"/>
+            <a:tailEnd type="triangle"/>
+          </a:ln>
+        </p:spPr>
+        <p:style>
+          <a:lnRef idx="1">
+            <a:schemeClr val="accent1"/>
+          </a:lnRef>
+          <a:fillRef idx="0">
+            <a:schemeClr val="accent1"/>
+          </a:fillRef>
+          <a:effectRef idx="0">
+            <a:schemeClr val="accent1"/>
+          </a:effectRef>
+          <a:fontRef idx="minor">
+            <a:schemeClr val="tx1"/>
+          </a:fontRef>
+        </p:style>
+      </p:cxnSp>
+    </p:spTree>
+    <p:extLst>
+      <p:ext uri="{BB962C8B-B14F-4D97-AF65-F5344CB8AC3E}">
+        <p14:creationId xmlns:p14="http://schemas.microsoft.com/office/powerpoint/2010/main" val="4206695005"/>
       </p:ext>
     </p:extLst>
   </p:cSld>
